--- a/25.04.23.pptx
+++ b/25.04.23.pptx
@@ -234,7 +234,7 @@
           <a:p>
             <a:fld id="{C8D18E60-4300-4729-A0D7-6AB984C3922D}" type="datetimeFigureOut">
               <a:rPr lang="en-US" smtClean="0"/>
-              <a:t>4/14/2023</a:t>
+              <a:t>4/17/2023</a:t>
             </a:fld>
             <a:endParaRPr lang="en-US"/>
           </a:p>
@@ -804,7 +804,7 @@
             <a:fld id="{53074F12-AA26-4AC8-9962-C36BB8F32554}" type="datetimeFigureOut">
               <a:rPr lang="en-US" smtClean="0"/>
               <a:pPr/>
-              <a:t>4/14/2023</a:t>
+              <a:t>4/17/2023</a:t>
             </a:fld>
             <a:endParaRPr lang="en-US"/>
           </a:p>
@@ -1058,7 +1058,7 @@
             <a:fld id="{53074F12-AA26-4AC8-9962-C36BB8F32554}" type="datetimeFigureOut">
               <a:rPr lang="en-US" smtClean="0"/>
               <a:pPr/>
-              <a:t>4/14/2023</a:t>
+              <a:t>4/17/2023</a:t>
             </a:fld>
             <a:endParaRPr lang="en-US"/>
           </a:p>
@@ -1228,7 +1228,7 @@
             <a:fld id="{53074F12-AA26-4AC8-9962-C36BB8F32554}" type="datetimeFigureOut">
               <a:rPr lang="en-US" smtClean="0"/>
               <a:pPr/>
-              <a:t>4/14/2023</a:t>
+              <a:t>4/17/2023</a:t>
             </a:fld>
             <a:endParaRPr lang="en-US"/>
           </a:p>
@@ -1408,7 +1408,7 @@
             <a:fld id="{53074F12-AA26-4AC8-9962-C36BB8F32554}" type="datetimeFigureOut">
               <a:rPr lang="en-US" smtClean="0"/>
               <a:pPr/>
-              <a:t>4/14/2023</a:t>
+              <a:t>4/17/2023</a:t>
             </a:fld>
             <a:endParaRPr lang="en-US"/>
           </a:p>
@@ -1690,7 +1690,7 @@
             <a:fld id="{53074F12-AA26-4AC8-9962-C36BB8F32554}" type="datetimeFigureOut">
               <a:rPr lang="en-US" smtClean="0"/>
               <a:pPr/>
-              <a:t>4/14/2023</a:t>
+              <a:t>4/17/2023</a:t>
             </a:fld>
             <a:endParaRPr lang="en-US"/>
           </a:p>
@@ -1937,7 +1937,7 @@
             <a:fld id="{53074F12-AA26-4AC8-9962-C36BB8F32554}" type="datetimeFigureOut">
               <a:rPr lang="en-US" smtClean="0"/>
               <a:pPr/>
-              <a:t>4/14/2023</a:t>
+              <a:t>4/17/2023</a:t>
             </a:fld>
             <a:endParaRPr lang="en-US"/>
           </a:p>
@@ -2184,7 +2184,7 @@
             <a:fld id="{53074F12-AA26-4AC8-9962-C36BB8F32554}" type="datetimeFigureOut">
               <a:rPr lang="en-US" smtClean="0"/>
               <a:pPr/>
-              <a:t>4/14/2023</a:t>
+              <a:t>4/17/2023</a:t>
             </a:fld>
             <a:endParaRPr lang="en-US"/>
           </a:p>
@@ -2471,7 +2471,7 @@
             <a:fld id="{53074F12-AA26-4AC8-9962-C36BB8F32554}" type="datetimeFigureOut">
               <a:rPr lang="en-US" smtClean="0"/>
               <a:pPr/>
-              <a:t>4/14/2023</a:t>
+              <a:t>4/17/2023</a:t>
             </a:fld>
             <a:endParaRPr lang="en-US"/>
           </a:p>
@@ -2958,7 +2958,7 @@
             <a:fld id="{53074F12-AA26-4AC8-9962-C36BB8F32554}" type="datetimeFigureOut">
               <a:rPr lang="en-US" smtClean="0"/>
               <a:pPr/>
-              <a:t>4/14/2023</a:t>
+              <a:t>4/17/2023</a:t>
             </a:fld>
             <a:endParaRPr lang="en-US"/>
           </a:p>
@@ -3077,7 +3077,7 @@
             <a:fld id="{53074F12-AA26-4AC8-9962-C36BB8F32554}" type="datetimeFigureOut">
               <a:rPr lang="en-US" smtClean="0"/>
               <a:pPr/>
-              <a:t>4/14/2023</a:t>
+              <a:t>4/17/2023</a:t>
             </a:fld>
             <a:endParaRPr lang="en-US"/>
           </a:p>
@@ -3174,7 +3174,7 @@
             <a:fld id="{53074F12-AA26-4AC8-9962-C36BB8F32554}" type="datetimeFigureOut">
               <a:rPr lang="en-US" smtClean="0"/>
               <a:pPr/>
-              <a:t>4/14/2023</a:t>
+              <a:t>4/17/2023</a:t>
             </a:fld>
             <a:endParaRPr lang="en-US"/>
           </a:p>
@@ -3451,7 +3451,7 @@
             <a:fld id="{53074F12-AA26-4AC8-9962-C36BB8F32554}" type="datetimeFigureOut">
               <a:rPr lang="en-US" smtClean="0"/>
               <a:pPr/>
-              <a:t>4/14/2023</a:t>
+              <a:t>4/17/2023</a:t>
             </a:fld>
             <a:endParaRPr lang="en-US"/>
           </a:p>
@@ -3673,7 +3673,7 @@
             <a:fld id="{53074F12-AA26-4AC8-9962-C36BB8F32554}" type="datetimeFigureOut">
               <a:rPr lang="en-US" smtClean="0"/>
               <a:pPr/>
-              <a:t>4/14/2023</a:t>
+              <a:t>4/17/2023</a:t>
             </a:fld>
             <a:endParaRPr lang="en-US"/>
           </a:p>
@@ -4450,7 +4450,11 @@
           <a:lstStyle/>
           <a:p>
             <a:r>
-              <a:rPr lang="bg-BG" sz="2000" dirty="0"/>
+              <a:rPr lang="bg-BG" sz="2000" dirty="0">
+                <a:solidFill>
+                  <a:schemeClr val="bg1"/>
+                </a:solidFill>
+              </a:rPr>
               <a:t>Обучаване на гласов асистент </a:t>
             </a:r>
           </a:p>
@@ -4522,7 +4526,11 @@
           <a:p>
             <a:pPr algn="ctr"/>
             <a:r>
-              <a:rPr lang="bg-BG" dirty="0"/>
+              <a:rPr lang="bg-BG" dirty="0">
+                <a:solidFill>
+                  <a:schemeClr val="bg1"/>
+                </a:solidFill>
+              </a:rPr>
               <a:t>Машинно обучение </a:t>
             </a:r>
           </a:p>
@@ -4986,8 +4994,8 @@
         </p:nvSpPr>
         <p:spPr>
           <a:xfrm>
-            <a:off x="4572000" y="2506626"/>
-            <a:ext cx="4114800" cy="523220"/>
+            <a:off x="4571999" y="2506626"/>
+            <a:ext cx="4349163" cy="523220"/>
           </a:xfrm>
           <a:prstGeom prst="rect">
             <a:avLst/>
@@ -5003,7 +5011,7 @@
             <a:pPr algn="ctr"/>
             <a:r>
               <a:rPr lang="bg-BG" sz="2800" dirty="0"/>
-              <a:t>Благодаря за вниманието </a:t>
+              <a:t>Благодаря за вниманието !</a:t>
             </a:r>
           </a:p>
         </p:txBody>
